--- a/NEURAL NETWORKS FINAL PROJECT PRESENTATION.pptx
+++ b/NEURAL NETWORKS FINAL PROJECT PRESENTATION.pptx
@@ -3627,7 +3627,7 @@
             </a:pPr>
             <a:r>
               <a:rPr lang="en-US" b="1" dirty="0"/>
-              <a:t>AKSHAY KALKUNTE SURESH</a:t>
+              <a:t>AKSHAY KALKUNTE SURESH (akalkun)</a:t>
             </a:r>
           </a:p>
           <a:p>
@@ -3636,7 +3636,7 @@
             </a:pPr>
             <a:r>
               <a:rPr lang="en-US" b="1" dirty="0"/>
-              <a:t>SHREY ANAND</a:t>
+              <a:t>SHREY ANAND (sanand3)</a:t>
             </a:r>
           </a:p>
           <a:p>
@@ -3645,7 +3645,7 @@
             </a:pPr>
             <a:r>
               <a:rPr lang="en-US" b="1" dirty="0"/>
-              <a:t>KALYAN GHOSH </a:t>
+              <a:t>KALYAN GHOSH (kghosh)</a:t>
             </a:r>
           </a:p>
         </p:txBody>
@@ -3706,6 +3706,10 @@
               <a:rPr lang="en-US" sz="2000" dirty="0"/>
               <a:t>TABLE OF CONTENTS</a:t>
             </a:r>
+            <a:br>
+              <a:rPr lang="en-US" sz="2000" dirty="0"/>
+            </a:br>
+            <a:endParaRPr lang="en-US" sz="2000" dirty="0"/>
           </a:p>
         </p:txBody>
       </p:sp>
@@ -3979,7 +3983,7 @@
             </a:pPr>
             <a:r>
               <a:rPr lang="en-US" sz="1800" dirty="0"/>
-              <a:t>This methodology has the ability to reach the better performance that can’t be obtained by regular training even without articulatory feature inputs during test time</a:t>
+              <a:t>This methodology has the ability to reach the performance that can’t be obtained by regular training even with articulatory feature inputs during test time</a:t>
             </a:r>
           </a:p>
         </p:txBody>
@@ -4130,7 +4134,7 @@
             </a:pPr>
             <a:r>
               <a:rPr lang="en-US" sz="1800" dirty="0"/>
-              <a:t>The DNN train data x* are concatenated articulatory and acoustic vectors and the “hard” targets y are one hot vectors where component corresponding to target state is 1 and rest of the states are 0.</a:t>
+              <a:t>The DNN train data (x)* are concatenated articulatory and acoustic vectors and the “hard” targets (y) are one hot vectors where component corresponding to target state is 1 and rest of the states are 0.</a:t>
             </a:r>
           </a:p>
           <a:p>
@@ -4150,15 +4154,7 @@
             </a:pPr>
             <a:r>
               <a:rPr lang="en-US" sz="1800" dirty="0"/>
-              <a:t>During test time only the Student DNN is used and the state probability predictions from the “hard” output, </a:t>
-            </a:r>
-            <a:r>
-              <a:rPr lang="en-US" sz="1800" dirty="0" err="1"/>
-              <a:t>i.e</a:t>
-            </a:r>
-            <a:r>
-              <a:rPr lang="en-US" sz="1800" dirty="0"/>
-              <a:t> the output that was compared with the hard targets during training are fed in to the decoder   </a:t>
+              <a:t>During test time only the Student DNN is used and the state probability predictions from the “hard” output, i.e the output that was compared with the hard targets during training are fed in to the decoder   </a:t>
             </a:r>
           </a:p>
           <a:p>
@@ -4669,7 +4665,17 @@
             </a:pPr>
             <a:r>
               <a:rPr lang="en-US" sz="1800" dirty="0"/>
-              <a:t>Targets for the DNN training are obtained by training a GMM-HMM system on both  articulatory and acoustic features. This is done using the KALDI speech recognition toolkit.</a:t>
+              <a:t>Targets for the DNN training are obtained by training a GMM-HMM system on both  articulatory and acoustic features. This is done using the </a:t>
+            </a:r>
+            <a:r>
+              <a:rPr lang="en-US" sz="1800" dirty="0">
+                <a:hlinkClick r:id="rId2"/>
+              </a:rPr>
+              <a:t>KALDI speech recognition toolkit</a:t>
+            </a:r>
+            <a:r>
+              <a:rPr lang="en-US" sz="1800" dirty="0"/>
+              <a:t>.</a:t>
             </a:r>
           </a:p>
           <a:p>
@@ -4679,8 +4685,15 @@
             </a:pPr>
             <a:r>
               <a:rPr lang="en-US" sz="1800" dirty="0"/>
-              <a:t>Identification of the target states using forced alignment using the KALDI toolkit</a:t>
-            </a:r>
+              <a:t>Identification of the target states using forced alignment using the </a:t>
+            </a:r>
+            <a:r>
+              <a:rPr lang="en-US" sz="1800" dirty="0">
+                <a:hlinkClick r:id="rId2"/>
+              </a:rPr>
+              <a:t>KALDI speech recognition toolkit</a:t>
+            </a:r>
+            <a:endParaRPr lang="en-US" sz="1800" dirty="0"/>
           </a:p>
           <a:p>
             <a:pPr>
@@ -4689,7 +4702,17 @@
             </a:pPr>
             <a:r>
               <a:rPr lang="en-US" sz="1800" dirty="0"/>
-              <a:t>Concatenation of articulatory and acoustic features from the TORGO dataset.</a:t>
+              <a:t>Concatenation of articulatory and acoustic features from the </a:t>
+            </a:r>
+            <a:r>
+              <a:rPr lang="en-US" sz="1800" dirty="0">
+                <a:hlinkClick r:id="rId3"/>
+              </a:rPr>
+              <a:t>TORGO dataset</a:t>
+            </a:r>
+            <a:r>
+              <a:rPr lang="en-US" sz="1800" dirty="0"/>
+              <a:t>.</a:t>
             </a:r>
           </a:p>
           <a:p>
@@ -4709,7 +4732,7 @@
             </a:pPr>
             <a:r>
               <a:rPr lang="en-US" sz="1800" dirty="0"/>
-              <a:t>One we get the soft labels out of the Teacher DNN, we will train the Student DNN using the soft labels and the hard labels predicted by the GMM-HMM model and measure the performance(</a:t>
+              <a:t>One we get the soft labels out of the Teacher DNN, we will implement the custom Loss Function to train the Student DNN using the soft labels and the hard labels predicted by the GMM-HMM model and measure the performance(</a:t>
             </a:r>
             <a:r>
               <a:rPr lang="en-US" sz="1800" b="1" dirty="0"/>
